--- a/reports/Etude de marché.pptx
+++ b/reports/Etude de marché.pptx
@@ -8,6 +8,8 @@
     <p:sldId id="256" r:id="rId2"/>
     <p:sldId id="257" r:id="rId3"/>
     <p:sldId id="258" r:id="rId4"/>
+    <p:sldId id="259" r:id="rId5"/>
+    <p:sldId id="260" r:id="rId6"/>
   </p:sldIdLst>
   <p:sldSz cx="12192000" cy="6858000"/>
   <p:notesSz cx="6858000" cy="9144000"/>
@@ -268,7 +270,7 @@
           <a:p>
             <a:fld id="{11EAACC7-3B3F-47D1-959A-EF58926E955E}" type="datetimeFigureOut">
               <a:rPr lang="en-US" smtClean="0"/>
-              <a:t>9/28/2024</a:t>
+              <a:t>10/2/2024</a:t>
             </a:fld>
             <a:endParaRPr lang="en-US"/>
           </a:p>
@@ -466,7 +468,7 @@
           <a:p>
             <a:fld id="{11EAACC7-3B3F-47D1-959A-EF58926E955E}" type="datetimeFigureOut">
               <a:rPr lang="en-US" smtClean="0"/>
-              <a:t>9/28/2024</a:t>
+              <a:t>10/2/2024</a:t>
             </a:fld>
             <a:endParaRPr lang="en-US"/>
           </a:p>
@@ -674,7 +676,7 @@
           <a:p>
             <a:fld id="{11EAACC7-3B3F-47D1-959A-EF58926E955E}" type="datetimeFigureOut">
               <a:rPr lang="en-US" smtClean="0"/>
-              <a:t>9/28/2024</a:t>
+              <a:t>10/2/2024</a:t>
             </a:fld>
             <a:endParaRPr lang="en-US"/>
           </a:p>
@@ -903,7 +905,7 @@
           <a:p>
             <a:fld id="{11EAACC7-3B3F-47D1-959A-EF58926E955E}" type="datetimeFigureOut">
               <a:rPr lang="en-US" smtClean="0"/>
-              <a:t>9/28/2024</a:t>
+              <a:t>10/2/2024</a:t>
             </a:fld>
             <a:endParaRPr lang="en-US" dirty="0"/>
           </a:p>
@@ -1178,7 +1180,7 @@
           <a:p>
             <a:fld id="{11EAACC7-3B3F-47D1-959A-EF58926E955E}" type="datetimeFigureOut">
               <a:rPr lang="en-US" smtClean="0"/>
-              <a:t>9/28/2024</a:t>
+              <a:t>10/2/2024</a:t>
             </a:fld>
             <a:endParaRPr lang="en-US"/>
           </a:p>
@@ -1444,7 +1446,7 @@
           <a:p>
             <a:fld id="{11EAACC7-3B3F-47D1-959A-EF58926E955E}" type="datetimeFigureOut">
               <a:rPr lang="en-US" smtClean="0"/>
-              <a:t>9/28/2024</a:t>
+              <a:t>10/2/2024</a:t>
             </a:fld>
             <a:endParaRPr lang="en-US"/>
           </a:p>
@@ -1861,7 +1863,7 @@
           <a:p>
             <a:fld id="{11EAACC7-3B3F-47D1-959A-EF58926E955E}" type="datetimeFigureOut">
               <a:rPr lang="en-US" smtClean="0"/>
-              <a:t>9/28/2024</a:t>
+              <a:t>10/2/2024</a:t>
             </a:fld>
             <a:endParaRPr lang="en-US"/>
           </a:p>
@@ -2002,7 +2004,7 @@
           <a:p>
             <a:fld id="{11EAACC7-3B3F-47D1-959A-EF58926E955E}" type="datetimeFigureOut">
               <a:rPr lang="en-US" smtClean="0"/>
-              <a:t>9/28/2024</a:t>
+              <a:t>10/2/2024</a:t>
             </a:fld>
             <a:endParaRPr lang="en-US"/>
           </a:p>
@@ -2115,7 +2117,7 @@
           <a:p>
             <a:fld id="{11EAACC7-3B3F-47D1-959A-EF58926E955E}" type="datetimeFigureOut">
               <a:rPr lang="en-US" smtClean="0"/>
-              <a:t>9/28/2024</a:t>
+              <a:t>10/2/2024</a:t>
             </a:fld>
             <a:endParaRPr lang="en-US"/>
           </a:p>
@@ -2426,7 +2428,7 @@
           <a:p>
             <a:fld id="{11EAACC7-3B3F-47D1-959A-EF58926E955E}" type="datetimeFigureOut">
               <a:rPr lang="en-US" smtClean="0"/>
-              <a:t>9/28/2024</a:t>
+              <a:t>10/2/2024</a:t>
             </a:fld>
             <a:endParaRPr lang="en-US"/>
           </a:p>
@@ -2717,7 +2719,7 @@
           <a:p>
             <a:fld id="{11EAACC7-3B3F-47D1-959A-EF58926E955E}" type="datetimeFigureOut">
               <a:rPr lang="en-US" smtClean="0"/>
-              <a:t>9/28/2024</a:t>
+              <a:t>10/2/2024</a:t>
             </a:fld>
             <a:endParaRPr lang="en-US"/>
           </a:p>
@@ -3274,7 +3276,7 @@
           <a:p>
             <a:fld id="{11EAACC7-3B3F-47D1-959A-EF58926E955E}" type="datetimeFigureOut">
               <a:rPr lang="en-US" smtClean="0"/>
-              <a:t>9/28/2024</a:t>
+              <a:t>10/2/2024</a:t>
             </a:fld>
             <a:endParaRPr lang="en-US"/>
           </a:p>
@@ -4391,9 +4393,10 @@
           <a:lstStyle/>
           <a:p>
             <a:r>
-              <a:rPr lang="fr-FR" dirty="0"/>
+              <a:rPr lang="fr-FR"/>
               <a:t>Analyse PESTEL</a:t>
             </a:r>
+            <a:endParaRPr lang="fr-FR" dirty="0"/>
           </a:p>
         </p:txBody>
       </p:sp>
@@ -4954,25 +4957,8 @@
                 <a:effectLst/>
                 <a:latin typeface="IBM Plex Sans" panose="020F0502020204030204" pitchFamily="34" charset="0"/>
               </a:rPr>
-              <a:t>égal -&gt; </a:t>
-            </a:r>
-            <a:r>
-              <a:rPr lang="fr-FR" sz="1800" b="0" i="0">
-                <a:solidFill>
-                  <a:srgbClr val="071A39"/>
-                </a:solidFill>
-                <a:effectLst/>
-                <a:latin typeface="IBM Plex Sans" panose="020F0502020204030204" pitchFamily="34" charset="0"/>
-              </a:rPr>
-              <a:t>accord commerciaux</a:t>
-            </a:r>
-            <a:endParaRPr lang="fr-FR" sz="1800" b="0" i="0" dirty="0">
-              <a:solidFill>
-                <a:srgbClr val="071A39"/>
-              </a:solidFill>
-              <a:effectLst/>
-              <a:latin typeface="IBM Plex Sans" panose="020F0502020204030204" pitchFamily="34" charset="0"/>
-            </a:endParaRPr>
+              <a:t>égal -&gt; accords commerciaux</a:t>
+            </a:r>
           </a:p>
           <a:p>
             <a:endParaRPr lang="fr-FR" dirty="0"/>
@@ -4995,6 +4981,14 @@
 <file path=ppt/slides/slide3.xml><?xml version="1.0" encoding="utf-8"?>
 <p:sld xmlns:a="http://schemas.openxmlformats.org/drawingml/2006/main" xmlns:r="http://schemas.openxmlformats.org/officeDocument/2006/relationships" xmlns:p="http://schemas.openxmlformats.org/presentationml/2006/main">
   <p:cSld>
+    <p:bg>
+      <p:bgPr>
+        <a:solidFill>
+          <a:schemeClr val="bg1"/>
+        </a:solidFill>
+        <a:effectLst/>
+      </p:bgPr>
+    </p:bg>
     <p:spTree>
       <p:nvGrpSpPr>
         <p:cNvPr id="1" name=""/>
@@ -5009,6 +5003,82 @@
           <a:chExt cx="0" cy="0"/>
         </a:xfrm>
       </p:grpSpPr>
+      <p:sp useBgFill="1">
+        <p:nvSpPr>
+          <p:cNvPr id="10" name="Rectangle 9">
+            <a:extLst>
+              <a:ext uri="{FF2B5EF4-FFF2-40B4-BE49-F238E27FC236}">
+                <a16:creationId xmlns:a16="http://schemas.microsoft.com/office/drawing/2014/main" id="{22171661-0838-4942-A149-8C1B789266A2}"/>
+              </a:ext>
+              <a:ext uri="{C183D7F6-B498-43B3-948B-1728B52AA6E4}">
+                <adec:decorative xmlns:adec="http://schemas.microsoft.com/office/drawing/2017/decorative" val="1"/>
+              </a:ext>
+            </a:extLst>
+          </p:cNvPr>
+          <p:cNvSpPr>
+            <a:spLocks noGrp="1" noRot="1" noChangeAspect="1" noMove="1" noResize="1" noEditPoints="1" noAdjustHandles="1" noChangeArrowheads="1" noChangeShapeType="1" noTextEdit="1"/>
+          </p:cNvSpPr>
+          <p:nvPr>
+            <p:extLst>
+              <p:ext uri="{386F3935-93C4-4BCD-93E2-E3B085C9AB24}">
+                <p16:designElem xmlns:p16="http://schemas.microsoft.com/office/powerpoint/2015/main" val="1"/>
+              </p:ext>
+            </p:extLst>
+          </p:nvPr>
+        </p:nvSpPr>
+        <p:spPr>
+          <a:xfrm>
+            <a:off x="0" y="0"/>
+            <a:ext cx="12192000" cy="6858000"/>
+          </a:xfrm>
+          <a:prstGeom prst="rect">
+            <a:avLst/>
+          </a:prstGeom>
+          <a:ln w="12700" cap="flat" cmpd="sng" algn="ctr">
+            <a:noFill/>
+            <a:prstDash val="solid"/>
+            <a:miter lim="800000"/>
+          </a:ln>
+          <a:effectLst/>
+          <a:extLst>
+            <a:ext uri="{91240B29-F687-4F45-9708-019B960494DF}">
+              <a14:hiddenLine xmlns:a14="http://schemas.microsoft.com/office/drawing/2010/main" w="12700" cap="flat" cmpd="sng" algn="ctr">
+                <a:solidFill>
+                  <a:schemeClr val="accent1">
+                    <a:shade val="50000"/>
+                  </a:schemeClr>
+                </a:solidFill>
+                <a:prstDash val="solid"/>
+                <a:miter lim="800000"/>
+              </a14:hiddenLine>
+            </a:ext>
+          </a:extLst>
+        </p:spPr>
+        <p:style>
+          <a:lnRef idx="2">
+            <a:schemeClr val="accent1">
+              <a:shade val="50000"/>
+            </a:schemeClr>
+          </a:lnRef>
+          <a:fillRef idx="1">
+            <a:schemeClr val="accent1"/>
+          </a:fillRef>
+          <a:effectRef idx="0">
+            <a:schemeClr val="accent1"/>
+          </a:effectRef>
+          <a:fontRef idx="minor">
+            <a:schemeClr val="lt1"/>
+          </a:fontRef>
+        </p:style>
+        <p:txBody>
+          <a:bodyPr rtlCol="0" anchor="ctr"/>
+          <a:lstStyle/>
+          <a:p>
+            <a:pPr algn="ctr"/>
+            <a:endParaRPr lang="en-US"/>
+          </a:p>
+        </p:txBody>
+      </p:sp>
       <p:sp>
         <p:nvSpPr>
           <p:cNvPr id="2" name="Titre 1">
@@ -5025,57 +5095,663 @@
             <p:ph type="title"/>
           </p:nvPr>
         </p:nvSpPr>
-        <p:spPr/>
-        <p:txBody>
-          <a:bodyPr/>
+        <p:spPr>
+          <a:xfrm>
+            <a:off x="1114426" y="533400"/>
+            <a:ext cx="4529138" cy="1671639"/>
+          </a:xfrm>
+        </p:spPr>
+        <p:txBody>
+          <a:bodyPr>
+            <a:normAutofit/>
+          </a:bodyPr>
+          <a:lstStyle/>
+          <a:p>
+            <a:r>
+              <a:rPr lang="fr-FR"/>
+              <a:t>Politique</a:t>
+            </a:r>
+            <a:endParaRPr lang="fr-FR" dirty="0"/>
+          </a:p>
+        </p:txBody>
+      </p:sp>
+      <p:sp>
+        <p:nvSpPr>
+          <p:cNvPr id="11" name="Espace réservé du contenu 2">
+            <a:extLst>
+              <a:ext uri="{FF2B5EF4-FFF2-40B4-BE49-F238E27FC236}">
+                <a16:creationId xmlns:a16="http://schemas.microsoft.com/office/drawing/2014/main" id="{DEA9705C-ECB0-DC29-506F-E49C9E59FBD5}"/>
+              </a:ext>
+            </a:extLst>
+          </p:cNvPr>
+          <p:cNvSpPr>
+            <a:spLocks noGrp="1"/>
+          </p:cNvSpPr>
+          <p:nvPr>
+            <p:ph idx="1"/>
+          </p:nvPr>
+        </p:nvSpPr>
+        <p:spPr>
+          <a:xfrm>
+            <a:off x="1104900" y="2205038"/>
+            <a:ext cx="4405314" cy="4119561"/>
+          </a:xfrm>
+        </p:spPr>
+        <p:txBody>
+          <a:bodyPr>
+            <a:normAutofit/>
+          </a:bodyPr>
           <a:lstStyle/>
           <a:p>
             <a:r>
               <a:rPr lang="fr-FR" dirty="0"/>
-              <a:t>Politique</a:t>
-            </a:r>
-          </a:p>
-        </p:txBody>
-      </p:sp>
-      <p:sp>
-        <p:nvSpPr>
-          <p:cNvPr id="3" name="Espace réservé du contenu 2">
-            <a:extLst>
-              <a:ext uri="{FF2B5EF4-FFF2-40B4-BE49-F238E27FC236}">
-                <a16:creationId xmlns:a16="http://schemas.microsoft.com/office/drawing/2014/main" id="{DEA9705C-ECB0-DC29-506F-E49C9E59FBD5}"/>
-              </a:ext>
-            </a:extLst>
-          </p:cNvPr>
-          <p:cNvSpPr>
-            <a:spLocks noGrp="1"/>
-          </p:cNvSpPr>
-          <p:nvPr>
-            <p:ph idx="1"/>
-          </p:nvPr>
-        </p:nvSpPr>
-        <p:spPr/>
-        <p:txBody>
-          <a:bodyPr/>
-          <a:lstStyle/>
-          <a:p>
-            <a:r>
-              <a:rPr lang="fr-FR" b="0" i="0" dirty="0">
-                <a:solidFill>
-                  <a:srgbClr val="071A39"/>
-                </a:solidFill>
-                <a:effectLst/>
-                <a:latin typeface="IBM Plex Sans" panose="020B0503050203000203" pitchFamily="34" charset="0"/>
-              </a:rPr>
-              <a:t>la stabilité politique du pays</a:t>
-            </a:r>
-            <a:endParaRPr lang="fr-FR" dirty="0"/>
-          </a:p>
-        </p:txBody>
-      </p:sp>
+              <a:t>Nombre de pays présents dans le </a:t>
+            </a:r>
+            <a:r>
+              <a:rPr lang="fr-FR" dirty="0" err="1"/>
+              <a:t>dataset</a:t>
+            </a:r>
+            <a:r>
+              <a:rPr lang="fr-FR" dirty="0"/>
+              <a:t> -&gt; 196</a:t>
+            </a:r>
+          </a:p>
+          <a:p>
+            <a:r>
+              <a:rPr lang="fr-FR" dirty="0"/>
+              <a:t>Pays ayant un indicateur de stabilité politique &gt; 0 -&gt; 101</a:t>
+            </a:r>
+          </a:p>
+          <a:p>
+            <a:r>
+              <a:rPr lang="fr-FR" dirty="0"/>
+              <a:t>Une première tendance se dessine, à savoir travailler avec l’UE et le marché asiatique au vu du nombre de pays.</a:t>
+            </a:r>
+          </a:p>
+        </p:txBody>
+      </p:sp>
+      <p:cxnSp>
+        <p:nvCxnSpPr>
+          <p:cNvPr id="12" name="Straight Connector 11">
+            <a:extLst>
+              <a:ext uri="{FF2B5EF4-FFF2-40B4-BE49-F238E27FC236}">
+                <a16:creationId xmlns:a16="http://schemas.microsoft.com/office/drawing/2014/main" id="{BB04A404-AF1E-4EC9-AF7D-46C68BFCEBB6}"/>
+              </a:ext>
+              <a:ext uri="{C183D7F6-B498-43B3-948B-1728B52AA6E4}">
+                <adec:decorative xmlns:adec="http://schemas.microsoft.com/office/drawing/2017/decorative" val="1"/>
+              </a:ext>
+            </a:extLst>
+          </p:cNvPr>
+          <p:cNvCxnSpPr>
+            <a:cxnSpLocks noGrp="1" noRot="1" noChangeAspect="1" noMove="1" noResize="1" noEditPoints="1" noAdjustHandles="1" noChangeArrowheads="1" noChangeShapeType="1"/>
+          </p:cNvCxnSpPr>
+          <p:nvPr>
+            <p:extLst>
+              <p:ext uri="{386F3935-93C4-4BCD-93E2-E3B085C9AB24}">
+                <p16:designElem xmlns:p16="http://schemas.microsoft.com/office/powerpoint/2015/main" val="1"/>
+              </p:ext>
+            </p:extLst>
+          </p:nvPr>
+        </p:nvCxnSpPr>
+        <p:spPr>
+          <a:xfrm flipV="1">
+            <a:off x="8430398" y="-1"/>
+            <a:ext cx="2559923" cy="6857999"/>
+          </a:xfrm>
+          <a:prstGeom prst="line">
+            <a:avLst/>
+          </a:prstGeom>
+          <a:ln w="12700">
+            <a:solidFill>
+              <a:schemeClr val="accent2">
+                <a:alpha val="70000"/>
+              </a:schemeClr>
+            </a:solidFill>
+          </a:ln>
+        </p:spPr>
+        <p:style>
+          <a:lnRef idx="1">
+            <a:schemeClr val="accent1"/>
+          </a:lnRef>
+          <a:fillRef idx="0">
+            <a:schemeClr val="accent1"/>
+          </a:fillRef>
+          <a:effectRef idx="0">
+            <a:schemeClr val="accent1"/>
+          </a:effectRef>
+          <a:fontRef idx="minor">
+            <a:schemeClr val="tx1"/>
+          </a:fontRef>
+        </p:style>
+      </p:cxnSp>
+      <p:cxnSp>
+        <p:nvCxnSpPr>
+          <p:cNvPr id="14" name="Straight Connector 13">
+            <a:extLst>
+              <a:ext uri="{FF2B5EF4-FFF2-40B4-BE49-F238E27FC236}">
+                <a16:creationId xmlns:a16="http://schemas.microsoft.com/office/drawing/2014/main" id="{B1874503-FE8B-408C-ABAF-2B72BAC29666}"/>
+              </a:ext>
+              <a:ext uri="{C183D7F6-B498-43B3-948B-1728B52AA6E4}">
+                <adec:decorative xmlns:adec="http://schemas.microsoft.com/office/drawing/2017/decorative" val="1"/>
+              </a:ext>
+            </a:extLst>
+          </p:cNvPr>
+          <p:cNvCxnSpPr>
+            <a:cxnSpLocks noGrp="1" noRot="1" noChangeAspect="1" noMove="1" noResize="1" noEditPoints="1" noAdjustHandles="1" noChangeArrowheads="1" noChangeShapeType="1"/>
+          </p:cNvCxnSpPr>
+          <p:nvPr>
+            <p:extLst>
+              <p:ext uri="{386F3935-93C4-4BCD-93E2-E3B085C9AB24}">
+                <p16:designElem xmlns:p16="http://schemas.microsoft.com/office/powerpoint/2015/main" val="1"/>
+              </p:ext>
+            </p:extLst>
+          </p:nvPr>
+        </p:nvCxnSpPr>
+        <p:spPr>
+          <a:xfrm flipV="1">
+            <a:off x="9741182" y="0"/>
+            <a:ext cx="725518" cy="6857999"/>
+          </a:xfrm>
+          <a:prstGeom prst="line">
+            <a:avLst/>
+          </a:prstGeom>
+          <a:ln w="12700">
+            <a:solidFill>
+              <a:schemeClr val="accent2">
+                <a:alpha val="70000"/>
+              </a:schemeClr>
+            </a:solidFill>
+          </a:ln>
+        </p:spPr>
+        <p:style>
+          <a:lnRef idx="1">
+            <a:schemeClr val="accent1"/>
+          </a:lnRef>
+          <a:fillRef idx="0">
+            <a:schemeClr val="accent1"/>
+          </a:fillRef>
+          <a:effectRef idx="0">
+            <a:schemeClr val="accent1"/>
+          </a:effectRef>
+          <a:fontRef idx="minor">
+            <a:schemeClr val="tx1"/>
+          </a:fontRef>
+        </p:style>
+      </p:cxnSp>
+      <p:pic>
+        <p:nvPicPr>
+          <p:cNvPr id="5" name="Image 4">
+            <a:extLst>
+              <a:ext uri="{FF2B5EF4-FFF2-40B4-BE49-F238E27FC236}">
+                <a16:creationId xmlns:a16="http://schemas.microsoft.com/office/drawing/2014/main" id="{C056F244-CBFE-3882-C50A-E1D13F023E1D}"/>
+              </a:ext>
+            </a:extLst>
+          </p:cNvPr>
+          <p:cNvPicPr>
+            <a:picLocks noChangeAspect="1"/>
+          </p:cNvPicPr>
+          <p:nvPr/>
+        </p:nvPicPr>
+        <p:blipFill>
+          <a:blip r:embed="rId2">
+            <a:extLst>
+              <a:ext uri="{28A0092B-C50C-407E-A947-70E740481C1C}">
+                <a14:useLocalDpi xmlns:a14="http://schemas.microsoft.com/office/drawing/2010/main" val="0"/>
+              </a:ext>
+            </a:extLst>
+          </a:blip>
+          <a:srcRect/>
+          <a:stretch/>
+        </p:blipFill>
+        <p:spPr>
+          <a:xfrm>
+            <a:off x="6096000" y="1133380"/>
+            <a:ext cx="5909799" cy="4591240"/>
+          </a:xfrm>
+          <a:prstGeom prst="rect">
+            <a:avLst/>
+          </a:prstGeom>
+        </p:spPr>
+      </p:pic>
     </p:spTree>
     <p:extLst>
       <p:ext uri="{BB962C8B-B14F-4D97-AF65-F5344CB8AC3E}">
         <p14:creationId xmlns:p14="http://schemas.microsoft.com/office/powerpoint/2010/main" val="3144273347"/>
+      </p:ext>
+    </p:extLst>
+  </p:cSld>
+  <p:clrMapOvr>
+    <a:masterClrMapping/>
+  </p:clrMapOvr>
+</p:sld>
+</file>
+
+<file path=ppt/slides/slide4.xml><?xml version="1.0" encoding="utf-8"?>
+<p:sld xmlns:a="http://schemas.openxmlformats.org/drawingml/2006/main" xmlns:r="http://schemas.openxmlformats.org/officeDocument/2006/relationships" xmlns:p="http://schemas.openxmlformats.org/presentationml/2006/main">
+  <p:cSld>
+    <p:bg>
+      <p:bgPr>
+        <a:solidFill>
+          <a:schemeClr val="bg1"/>
+        </a:solidFill>
+        <a:effectLst/>
+      </p:bgPr>
+    </p:bg>
+    <p:spTree>
+      <p:nvGrpSpPr>
+        <p:cNvPr id="1" name=""/>
+        <p:cNvGrpSpPr/>
+        <p:nvPr/>
+      </p:nvGrpSpPr>
+      <p:grpSpPr>
+        <a:xfrm>
+          <a:off x="0" y="0"/>
+          <a:ext cx="0" cy="0"/>
+          <a:chOff x="0" y="0"/>
+          <a:chExt cx="0" cy="0"/>
+        </a:xfrm>
+      </p:grpSpPr>
+      <p:sp useBgFill="1">
+        <p:nvSpPr>
+          <p:cNvPr id="10" name="Rectangle 9">
+            <a:extLst>
+              <a:ext uri="{FF2B5EF4-FFF2-40B4-BE49-F238E27FC236}">
+                <a16:creationId xmlns:a16="http://schemas.microsoft.com/office/drawing/2014/main" id="{22171661-0838-4942-A149-8C1B789266A2}"/>
+              </a:ext>
+              <a:ext uri="{C183D7F6-B498-43B3-948B-1728B52AA6E4}">
+                <adec:decorative xmlns:adec="http://schemas.microsoft.com/office/drawing/2017/decorative" val="1"/>
+              </a:ext>
+            </a:extLst>
+          </p:cNvPr>
+          <p:cNvSpPr>
+            <a:spLocks noGrp="1" noRot="1" noChangeAspect="1" noMove="1" noResize="1" noEditPoints="1" noAdjustHandles="1" noChangeArrowheads="1" noChangeShapeType="1" noTextEdit="1"/>
+          </p:cNvSpPr>
+          <p:nvPr>
+            <p:extLst>
+              <p:ext uri="{386F3935-93C4-4BCD-93E2-E3B085C9AB24}">
+                <p16:designElem xmlns:p16="http://schemas.microsoft.com/office/powerpoint/2015/main" val="1"/>
+              </p:ext>
+            </p:extLst>
+          </p:nvPr>
+        </p:nvSpPr>
+        <p:spPr>
+          <a:xfrm>
+            <a:off x="0" y="0"/>
+            <a:ext cx="12192000" cy="6858000"/>
+          </a:xfrm>
+          <a:prstGeom prst="rect">
+            <a:avLst/>
+          </a:prstGeom>
+          <a:ln w="12700" cap="flat" cmpd="sng" algn="ctr">
+            <a:noFill/>
+            <a:prstDash val="solid"/>
+            <a:miter lim="800000"/>
+          </a:ln>
+          <a:effectLst/>
+          <a:extLst>
+            <a:ext uri="{91240B29-F687-4F45-9708-019B960494DF}">
+              <a14:hiddenLine xmlns:a14="http://schemas.microsoft.com/office/drawing/2010/main" w="12700" cap="flat" cmpd="sng" algn="ctr">
+                <a:solidFill>
+                  <a:schemeClr val="accent1">
+                    <a:shade val="50000"/>
+                  </a:schemeClr>
+                </a:solidFill>
+                <a:prstDash val="solid"/>
+                <a:miter lim="800000"/>
+              </a14:hiddenLine>
+            </a:ext>
+          </a:extLst>
+        </p:spPr>
+        <p:style>
+          <a:lnRef idx="2">
+            <a:schemeClr val="accent1">
+              <a:shade val="50000"/>
+            </a:schemeClr>
+          </a:lnRef>
+          <a:fillRef idx="1">
+            <a:schemeClr val="accent1"/>
+          </a:fillRef>
+          <a:effectRef idx="0">
+            <a:schemeClr val="accent1"/>
+          </a:effectRef>
+          <a:fontRef idx="minor">
+            <a:schemeClr val="lt1"/>
+          </a:fontRef>
+        </p:style>
+        <p:txBody>
+          <a:bodyPr rtlCol="0" anchor="ctr"/>
+          <a:lstStyle/>
+          <a:p>
+            <a:pPr algn="ctr"/>
+            <a:endParaRPr lang="en-US"/>
+          </a:p>
+        </p:txBody>
+      </p:sp>
+      <p:sp>
+        <p:nvSpPr>
+          <p:cNvPr id="2" name="Titre 1">
+            <a:extLst>
+              <a:ext uri="{FF2B5EF4-FFF2-40B4-BE49-F238E27FC236}">
+                <a16:creationId xmlns:a16="http://schemas.microsoft.com/office/drawing/2014/main" id="{D0200648-C44C-5D23-19E6-09EE74B40602}"/>
+              </a:ext>
+            </a:extLst>
+          </p:cNvPr>
+          <p:cNvSpPr>
+            <a:spLocks noGrp="1"/>
+          </p:cNvSpPr>
+          <p:nvPr>
+            <p:ph type="title"/>
+          </p:nvPr>
+        </p:nvSpPr>
+        <p:spPr>
+          <a:xfrm>
+            <a:off x="1114426" y="533400"/>
+            <a:ext cx="4529138" cy="1671639"/>
+          </a:xfrm>
+        </p:spPr>
+        <p:txBody>
+          <a:bodyPr>
+            <a:normAutofit/>
+          </a:bodyPr>
+          <a:lstStyle/>
+          <a:p>
+            <a:r>
+              <a:rPr lang="fr-FR" dirty="0"/>
+              <a:t>Economique</a:t>
+            </a:r>
+          </a:p>
+        </p:txBody>
+      </p:sp>
+      <p:sp>
+        <p:nvSpPr>
+          <p:cNvPr id="11" name="Espace réservé du contenu 2">
+            <a:extLst>
+              <a:ext uri="{FF2B5EF4-FFF2-40B4-BE49-F238E27FC236}">
+                <a16:creationId xmlns:a16="http://schemas.microsoft.com/office/drawing/2014/main" id="{DEA9705C-ECB0-DC29-506F-E49C9E59FBD5}"/>
+              </a:ext>
+            </a:extLst>
+          </p:cNvPr>
+          <p:cNvSpPr>
+            <a:spLocks noGrp="1"/>
+          </p:cNvSpPr>
+          <p:nvPr>
+            <p:ph idx="1"/>
+          </p:nvPr>
+        </p:nvSpPr>
+        <p:spPr>
+          <a:xfrm>
+            <a:off x="1104900" y="2205038"/>
+            <a:ext cx="4405314" cy="4119561"/>
+          </a:xfrm>
+        </p:spPr>
+        <p:txBody>
+          <a:bodyPr>
+            <a:normAutofit/>
+          </a:bodyPr>
+          <a:lstStyle/>
+          <a:p>
+            <a:r>
+              <a:rPr lang="fr-FR" dirty="0"/>
+              <a:t>Données récupérées via la WORLD BANK GROUP</a:t>
+            </a:r>
+          </a:p>
+          <a:p>
+            <a:r>
+              <a:rPr lang="fr-FR" dirty="0"/>
+              <a:t>Deux angles à étudier :</a:t>
+            </a:r>
+          </a:p>
+          <a:p>
+            <a:pPr>
+              <a:buFontTx/>
+              <a:buChar char="-"/>
+            </a:pPr>
+            <a:r>
+              <a:rPr lang="fr-FR" dirty="0"/>
+              <a:t>Le </a:t>
+            </a:r>
+            <a:r>
+              <a:rPr lang="fr-FR" dirty="0" err="1"/>
+              <a:t>gni</a:t>
+            </a:r>
+            <a:r>
+              <a:rPr lang="fr-FR" dirty="0"/>
+              <a:t> par </a:t>
+            </a:r>
+            <a:r>
+              <a:rPr lang="fr-FR" dirty="0" err="1"/>
+              <a:t>hab</a:t>
+            </a:r>
+            <a:r>
+              <a:rPr lang="fr-FR" dirty="0"/>
+              <a:t> pour déterminer la richesse car le poulet est un produit qui coûte cher</a:t>
+            </a:r>
+          </a:p>
+          <a:p>
+            <a:pPr>
+              <a:buFontTx/>
+              <a:buChar char="-"/>
+            </a:pPr>
+            <a:r>
+              <a:rPr lang="fr-FR" dirty="0"/>
+              <a:t>Repérer les + gros exportateurs de poulets</a:t>
+            </a:r>
+          </a:p>
+        </p:txBody>
+      </p:sp>
+      <p:cxnSp>
+        <p:nvCxnSpPr>
+          <p:cNvPr id="12" name="Straight Connector 11">
+            <a:extLst>
+              <a:ext uri="{FF2B5EF4-FFF2-40B4-BE49-F238E27FC236}">
+                <a16:creationId xmlns:a16="http://schemas.microsoft.com/office/drawing/2014/main" id="{BB04A404-AF1E-4EC9-AF7D-46C68BFCEBB6}"/>
+              </a:ext>
+              <a:ext uri="{C183D7F6-B498-43B3-948B-1728B52AA6E4}">
+                <adec:decorative xmlns:adec="http://schemas.microsoft.com/office/drawing/2017/decorative" val="1"/>
+              </a:ext>
+            </a:extLst>
+          </p:cNvPr>
+          <p:cNvCxnSpPr>
+            <a:cxnSpLocks noGrp="1" noRot="1" noChangeAspect="1" noMove="1" noResize="1" noEditPoints="1" noAdjustHandles="1" noChangeArrowheads="1" noChangeShapeType="1"/>
+          </p:cNvCxnSpPr>
+          <p:nvPr>
+            <p:extLst>
+              <p:ext uri="{386F3935-93C4-4BCD-93E2-E3B085C9AB24}">
+                <p16:designElem xmlns:p16="http://schemas.microsoft.com/office/powerpoint/2015/main" val="1"/>
+              </p:ext>
+            </p:extLst>
+          </p:nvPr>
+        </p:nvCxnSpPr>
+        <p:spPr>
+          <a:xfrm flipV="1">
+            <a:off x="8430398" y="-1"/>
+            <a:ext cx="2559923" cy="6857999"/>
+          </a:xfrm>
+          <a:prstGeom prst="line">
+            <a:avLst/>
+          </a:prstGeom>
+          <a:ln w="12700">
+            <a:solidFill>
+              <a:schemeClr val="accent2">
+                <a:alpha val="70000"/>
+              </a:schemeClr>
+            </a:solidFill>
+          </a:ln>
+        </p:spPr>
+        <p:style>
+          <a:lnRef idx="1">
+            <a:schemeClr val="accent1"/>
+          </a:lnRef>
+          <a:fillRef idx="0">
+            <a:schemeClr val="accent1"/>
+          </a:fillRef>
+          <a:effectRef idx="0">
+            <a:schemeClr val="accent1"/>
+          </a:effectRef>
+          <a:fontRef idx="minor">
+            <a:schemeClr val="tx1"/>
+          </a:fontRef>
+        </p:style>
+      </p:cxnSp>
+      <p:cxnSp>
+        <p:nvCxnSpPr>
+          <p:cNvPr id="14" name="Straight Connector 13">
+            <a:extLst>
+              <a:ext uri="{FF2B5EF4-FFF2-40B4-BE49-F238E27FC236}">
+                <a16:creationId xmlns:a16="http://schemas.microsoft.com/office/drawing/2014/main" id="{B1874503-FE8B-408C-ABAF-2B72BAC29666}"/>
+              </a:ext>
+              <a:ext uri="{C183D7F6-B498-43B3-948B-1728B52AA6E4}">
+                <adec:decorative xmlns:adec="http://schemas.microsoft.com/office/drawing/2017/decorative" val="1"/>
+              </a:ext>
+            </a:extLst>
+          </p:cNvPr>
+          <p:cNvCxnSpPr>
+            <a:cxnSpLocks noGrp="1" noRot="1" noChangeAspect="1" noMove="1" noResize="1" noEditPoints="1" noAdjustHandles="1" noChangeArrowheads="1" noChangeShapeType="1"/>
+          </p:cNvCxnSpPr>
+          <p:nvPr>
+            <p:extLst>
+              <p:ext uri="{386F3935-93C4-4BCD-93E2-E3B085C9AB24}">
+                <p16:designElem xmlns:p16="http://schemas.microsoft.com/office/powerpoint/2015/main" val="1"/>
+              </p:ext>
+            </p:extLst>
+          </p:nvPr>
+        </p:nvCxnSpPr>
+        <p:spPr>
+          <a:xfrm flipV="1">
+            <a:off x="9741182" y="0"/>
+            <a:ext cx="725518" cy="6857999"/>
+          </a:xfrm>
+          <a:prstGeom prst="line">
+            <a:avLst/>
+          </a:prstGeom>
+          <a:ln w="12700">
+            <a:solidFill>
+              <a:schemeClr val="accent2">
+                <a:alpha val="70000"/>
+              </a:schemeClr>
+            </a:solidFill>
+          </a:ln>
+        </p:spPr>
+        <p:style>
+          <a:lnRef idx="1">
+            <a:schemeClr val="accent1"/>
+          </a:lnRef>
+          <a:fillRef idx="0">
+            <a:schemeClr val="accent1"/>
+          </a:fillRef>
+          <a:effectRef idx="0">
+            <a:schemeClr val="accent1"/>
+          </a:effectRef>
+          <a:fontRef idx="minor">
+            <a:schemeClr val="tx1"/>
+          </a:fontRef>
+        </p:style>
+      </p:cxnSp>
+    </p:spTree>
+    <p:extLst>
+      <p:ext uri="{BB962C8B-B14F-4D97-AF65-F5344CB8AC3E}">
+        <p14:creationId xmlns:p14="http://schemas.microsoft.com/office/powerpoint/2010/main" val="1204429337"/>
+      </p:ext>
+    </p:extLst>
+  </p:cSld>
+  <p:clrMapOvr>
+    <a:masterClrMapping/>
+  </p:clrMapOvr>
+</p:sld>
+</file>
+
+<file path=ppt/slides/slide5.xml><?xml version="1.0" encoding="utf-8"?>
+<p:sld xmlns:a="http://schemas.openxmlformats.org/drawingml/2006/main" xmlns:r="http://schemas.openxmlformats.org/officeDocument/2006/relationships" xmlns:p="http://schemas.openxmlformats.org/presentationml/2006/main">
+  <p:cSld>
+    <p:spTree>
+      <p:nvGrpSpPr>
+        <p:cNvPr id="1" name=""/>
+        <p:cNvGrpSpPr/>
+        <p:nvPr/>
+      </p:nvGrpSpPr>
+      <p:grpSpPr>
+        <a:xfrm>
+          <a:off x="0" y="0"/>
+          <a:ext cx="0" cy="0"/>
+          <a:chOff x="0" y="0"/>
+          <a:chExt cx="0" cy="0"/>
+        </a:xfrm>
+      </p:grpSpPr>
+      <p:sp>
+        <p:nvSpPr>
+          <p:cNvPr id="2" name="Titre 1">
+            <a:extLst>
+              <a:ext uri="{FF2B5EF4-FFF2-40B4-BE49-F238E27FC236}">
+                <a16:creationId xmlns:a16="http://schemas.microsoft.com/office/drawing/2014/main" id="{6F774098-4D7B-2AD7-C2E6-ACF005EDF9AA}"/>
+              </a:ext>
+            </a:extLst>
+          </p:cNvPr>
+          <p:cNvSpPr>
+            <a:spLocks noGrp="1"/>
+          </p:cNvSpPr>
+          <p:nvPr>
+            <p:ph type="title"/>
+          </p:nvPr>
+        </p:nvSpPr>
+        <p:spPr>
+          <a:xfrm>
+            <a:off x="1143000" y="533401"/>
+            <a:ext cx="9906000" cy="1250008"/>
+          </a:xfrm>
+        </p:spPr>
+        <p:txBody>
+          <a:bodyPr/>
+          <a:lstStyle/>
+          <a:p>
+            <a:r>
+              <a:rPr lang="fr-FR" dirty="0"/>
+              <a:t>GNI par habitant</a:t>
+            </a:r>
+          </a:p>
+        </p:txBody>
+      </p:sp>
+      <p:pic>
+        <p:nvPicPr>
+          <p:cNvPr id="4" name="Espace réservé du contenu 3" descr="Une image contenant texte, capture d’écran, diagramme, ligne&#10;&#10;Description générée automatiquement">
+            <a:extLst>
+              <a:ext uri="{FF2B5EF4-FFF2-40B4-BE49-F238E27FC236}">
+                <a16:creationId xmlns:a16="http://schemas.microsoft.com/office/drawing/2014/main" id="{88FE876C-24BE-6928-F608-71937FC38051}"/>
+              </a:ext>
+            </a:extLst>
+          </p:cNvPr>
+          <p:cNvPicPr>
+            <a:picLocks noGrp="1" noChangeAspect="1"/>
+          </p:cNvPicPr>
+          <p:nvPr>
+            <p:ph idx="1"/>
+          </p:nvPr>
+        </p:nvPicPr>
+        <p:blipFill>
+          <a:blip r:embed="rId2">
+            <a:extLst>
+              <a:ext uri="{28A0092B-C50C-407E-A947-70E740481C1C}">
+                <a14:useLocalDpi xmlns:a14="http://schemas.microsoft.com/office/drawing/2010/main" val="0"/>
+              </a:ext>
+            </a:extLst>
+          </a:blip>
+          <a:stretch>
+            <a:fillRect/>
+          </a:stretch>
+        </p:blipFill>
+        <p:spPr>
+          <a:xfrm>
+            <a:off x="1909849" y="1783409"/>
+            <a:ext cx="8372302" cy="4541190"/>
+          </a:xfrm>
+          <a:prstGeom prst="rect">
+            <a:avLst/>
+          </a:prstGeom>
+        </p:spPr>
+      </p:pic>
+    </p:spTree>
+    <p:extLst>
+      <p:ext uri="{BB962C8B-B14F-4D97-AF65-F5344CB8AC3E}">
+        <p14:creationId xmlns:p14="http://schemas.microsoft.com/office/powerpoint/2010/main" val="553673943"/>
       </p:ext>
     </p:extLst>
   </p:cSld>
